--- a/imagenes/presentacion.pptx
+++ b/imagenes/presentacion.pptx
@@ -104,6 +104,11 @@
       </a:defRPr>
     </a:lvl9pPr>
   </p:defaultTextStyle>
+  <p:extLst>
+    <p:ext uri="{EFAFB233-063F-42B5-8137-9DF3F51BA10A}">
+      <p15:sldGuideLst xmlns:p15="http://schemas.microsoft.com/office/powerpoint/2012/main"/>
+    </p:ext>
+  </p:extLst>
 </p:presentation>
 </file>
 
@@ -7762,6 +7767,65 @@
           </a:extLst>
         </p:spPr>
       </p:pic>
+      <p:sp>
+        <p:nvSpPr>
+          <p:cNvPr id="3" name="Rectángulo: esquinas redondeadas 2">
+            <a:extLst>
+              <a:ext uri="{FF2B5EF4-FFF2-40B4-BE49-F238E27FC236}">
+                <a16:creationId xmlns:a16="http://schemas.microsoft.com/office/drawing/2014/main" id="{7327B7C9-272B-4C0E-85AD-A6916018D586}"/>
+              </a:ext>
+            </a:extLst>
+          </p:cNvPr>
+          <p:cNvSpPr/>
+          <p:nvPr/>
+        </p:nvSpPr>
+        <p:spPr>
+          <a:xfrm>
+            <a:off x="2447778" y="3429001"/>
+            <a:ext cx="1153552" cy="369276"/>
+          </a:xfrm>
+          <a:prstGeom prst="roundRect">
+            <a:avLst/>
+          </a:prstGeom>
+          <a:solidFill>
+            <a:schemeClr val="accent2">
+              <a:lumMod val="60000"/>
+              <a:lumOff val="40000"/>
+            </a:schemeClr>
+          </a:solidFill>
+        </p:spPr>
+        <p:style>
+          <a:lnRef idx="2">
+            <a:schemeClr val="accent1">
+              <a:shade val="50000"/>
+            </a:schemeClr>
+          </a:lnRef>
+          <a:fillRef idx="1">
+            <a:schemeClr val="accent1"/>
+          </a:fillRef>
+          <a:effectRef idx="0">
+            <a:schemeClr val="accent1"/>
+          </a:effectRef>
+          <a:fontRef idx="minor">
+            <a:schemeClr val="lt1"/>
+          </a:fontRef>
+        </p:style>
+        <p:txBody>
+          <a:bodyPr rtlCol="0" anchor="ctr"/>
+          <a:lstStyle/>
+          <a:p>
+            <a:pPr algn="ctr"/>
+            <a:r>
+              <a:rPr lang="es-PE" b="1" dirty="0">
+                <a:solidFill>
+                  <a:schemeClr val="accent1"/>
+                </a:solidFill>
+              </a:rPr>
+              <a:t>FIN</a:t>
+            </a:r>
+          </a:p>
+        </p:txBody>
+      </p:sp>
     </p:spTree>
     <p:extLst>
       <p:ext uri="{BB962C8B-B14F-4D97-AF65-F5344CB8AC3E}">

--- a/imagenes/presentacion.pptx
+++ b/imagenes/presentacion.pptx
@@ -300,7 +300,7 @@
           <a:p>
             <a:fld id="{29747374-0482-4B48-8E42-FB3DBBCE1222}" type="datetimeFigureOut">
               <a:rPr lang="es-PE" smtClean="0"/>
-              <a:t>29/06/2019</a:t>
+              <a:t>30/06/2019</a:t>
             </a:fld>
             <a:endParaRPr lang="es-PE"/>
           </a:p>
@@ -638,7 +638,7 @@
           <a:p>
             <a:fld id="{29747374-0482-4B48-8E42-FB3DBBCE1222}" type="datetimeFigureOut">
               <a:rPr lang="es-PE" smtClean="0"/>
-              <a:t>29/06/2019</a:t>
+              <a:t>30/06/2019</a:t>
             </a:fld>
             <a:endParaRPr lang="es-PE"/>
           </a:p>
@@ -1039,7 +1039,7 @@
           <a:p>
             <a:fld id="{29747374-0482-4B48-8E42-FB3DBBCE1222}" type="datetimeFigureOut">
               <a:rPr lang="es-PE" smtClean="0"/>
-              <a:t>29/06/2019</a:t>
+              <a:t>30/06/2019</a:t>
             </a:fld>
             <a:endParaRPr lang="es-PE"/>
           </a:p>
@@ -1375,7 +1375,7 @@
           <a:p>
             <a:fld id="{29747374-0482-4B48-8E42-FB3DBBCE1222}" type="datetimeFigureOut">
               <a:rPr lang="es-PE" smtClean="0"/>
-              <a:t>29/06/2019</a:t>
+              <a:t>30/06/2019</a:t>
             </a:fld>
             <a:endParaRPr lang="es-PE"/>
           </a:p>
@@ -1695,7 +1695,7 @@
           <a:p>
             <a:fld id="{29747374-0482-4B48-8E42-FB3DBBCE1222}" type="datetimeFigureOut">
               <a:rPr lang="es-PE" smtClean="0"/>
-              <a:t>29/06/2019</a:t>
+              <a:t>30/06/2019</a:t>
             </a:fld>
             <a:endParaRPr lang="es-PE"/>
           </a:p>
@@ -2091,7 +2091,7 @@
           <a:p>
             <a:fld id="{29747374-0482-4B48-8E42-FB3DBBCE1222}" type="datetimeFigureOut">
               <a:rPr lang="es-PE" smtClean="0"/>
-              <a:t>29/06/2019</a:t>
+              <a:t>30/06/2019</a:t>
             </a:fld>
             <a:endParaRPr lang="es-PE"/>
           </a:p>
@@ -2348,7 +2348,7 @@
           <a:p>
             <a:fld id="{29747374-0482-4B48-8E42-FB3DBBCE1222}" type="datetimeFigureOut">
               <a:rPr lang="es-PE" smtClean="0"/>
-              <a:t>29/06/2019</a:t>
+              <a:t>30/06/2019</a:t>
             </a:fld>
             <a:endParaRPr lang="es-PE"/>
           </a:p>
@@ -2610,7 +2610,7 @@
           <a:p>
             <a:fld id="{29747374-0482-4B48-8E42-FB3DBBCE1222}" type="datetimeFigureOut">
               <a:rPr lang="es-PE" smtClean="0"/>
-              <a:t>29/06/2019</a:t>
+              <a:t>30/06/2019</a:t>
             </a:fld>
             <a:endParaRPr lang="es-PE"/>
           </a:p>
@@ -2872,7 +2872,7 @@
           <a:p>
             <a:fld id="{29747374-0482-4B48-8E42-FB3DBBCE1222}" type="datetimeFigureOut">
               <a:rPr lang="es-PE" smtClean="0"/>
-              <a:t>29/06/2019</a:t>
+              <a:t>30/06/2019</a:t>
             </a:fld>
             <a:endParaRPr lang="es-PE"/>
           </a:p>
@@ -3201,7 +3201,7 @@
           <a:p>
             <a:fld id="{29747374-0482-4B48-8E42-FB3DBBCE1222}" type="datetimeFigureOut">
               <a:rPr lang="es-PE" smtClean="0"/>
-              <a:t>29/06/2019</a:t>
+              <a:t>30/06/2019</a:t>
             </a:fld>
             <a:endParaRPr lang="es-PE"/>
           </a:p>
@@ -3524,7 +3524,7 @@
           <a:p>
             <a:fld id="{29747374-0482-4B48-8E42-FB3DBBCE1222}" type="datetimeFigureOut">
               <a:rPr lang="es-PE" smtClean="0"/>
-              <a:t>29/06/2019</a:t>
+              <a:t>30/06/2019</a:t>
             </a:fld>
             <a:endParaRPr lang="es-PE"/>
           </a:p>
@@ -3981,7 +3981,7 @@
           <a:p>
             <a:fld id="{29747374-0482-4B48-8E42-FB3DBBCE1222}" type="datetimeFigureOut">
               <a:rPr lang="es-PE" smtClean="0"/>
-              <a:t>29/06/2019</a:t>
+              <a:t>30/06/2019</a:t>
             </a:fld>
             <a:endParaRPr lang="es-PE"/>
           </a:p>
@@ -4186,7 +4186,7 @@
           <a:p>
             <a:fld id="{29747374-0482-4B48-8E42-FB3DBBCE1222}" type="datetimeFigureOut">
               <a:rPr lang="es-PE" smtClean="0"/>
-              <a:t>29/06/2019</a:t>
+              <a:t>30/06/2019</a:t>
             </a:fld>
             <a:endParaRPr lang="es-PE"/>
           </a:p>
@@ -4363,7 +4363,7 @@
           <a:p>
             <a:fld id="{29747374-0482-4B48-8E42-FB3DBBCE1222}" type="datetimeFigureOut">
               <a:rPr lang="es-PE" smtClean="0"/>
-              <a:t>29/06/2019</a:t>
+              <a:t>30/06/2019</a:t>
             </a:fld>
             <a:endParaRPr lang="es-PE"/>
           </a:p>
@@ -4696,7 +4696,7 @@
           <a:p>
             <a:fld id="{29747374-0482-4B48-8E42-FB3DBBCE1222}" type="datetimeFigureOut">
               <a:rPr lang="es-PE" smtClean="0"/>
-              <a:t>29/06/2019</a:t>
+              <a:t>30/06/2019</a:t>
             </a:fld>
             <a:endParaRPr lang="es-PE"/>
           </a:p>
@@ -5041,7 +5041,7 @@
           <a:p>
             <a:fld id="{29747374-0482-4B48-8E42-FB3DBBCE1222}" type="datetimeFigureOut">
               <a:rPr lang="es-PE" smtClean="0"/>
-              <a:t>29/06/2019</a:t>
+              <a:t>30/06/2019</a:t>
             </a:fld>
             <a:endParaRPr lang="es-PE"/>
           </a:p>
@@ -7158,7 +7158,7 @@
           <a:p>
             <a:fld id="{29747374-0482-4B48-8E42-FB3DBBCE1222}" type="datetimeFigureOut">
               <a:rPr lang="es-PE" smtClean="0"/>
-              <a:t>29/06/2019</a:t>
+              <a:t>30/06/2019</a:t>
             </a:fld>
             <a:endParaRPr lang="es-PE"/>
           </a:p>
@@ -7693,8 +7693,8 @@
         </p:nvSpPr>
         <p:spPr>
           <a:xfrm>
-            <a:off x="250527" y="104451"/>
-            <a:ext cx="7627382" cy="1146516"/>
+            <a:off x="250527" y="104450"/>
+            <a:ext cx="8682458" cy="1274183"/>
           </a:xfrm>
         </p:spPr>
         <p:txBody>
@@ -7704,13 +7704,13 @@
           <a:lstStyle/>
           <a:p>
             <a:r>
-              <a:rPr lang="es-PE" altLang="es-PE" sz="3200" b="1" dirty="0">
+              <a:rPr lang="es-MX" altLang="es-PE" sz="3200" b="1" dirty="0">
                 <a:solidFill>
                   <a:srgbClr val="002060"/>
                 </a:solidFill>
                 <a:cs typeface="Arial" panose="020B0604020202020204" pitchFamily="34" charset="0"/>
               </a:rPr>
-              <a:t>Sistema Experto predicción de animales en peligro de extinción</a:t>
+              <a:t>Sistema Experto para la identificación de animales y su riesgo de extinción</a:t>
             </a:r>
             <a:endParaRPr lang="es-PE" sz="3200" b="1" dirty="0">
               <a:solidFill>
